--- a/lectures3/gr/Pythonlearn-03-Conditional.pptx
+++ b/lectures3/gr/Pythonlearn-03-Conditional.pptx
@@ -40,7 +40,7 @@
     <p:sldId id="285" r:id="rId31"/>
     <p:sldId id="283" r:id="rId32"/>
     <p:sldId id="284" r:id="rId33"/>
-    <p:sldId id="302" r:id="rId34"/>
+    <p:sldId id="320" r:id="rId34"/>
   </p:sldIdLst>
   <p:sldSz cx="16256000" cy="9144000"/>
   <p:notesSz cx="6858000" cy="9144000"/>
@@ -7155,7 +7155,19 @@
                 <a:cs typeface="Courier"/>
                 <a:sym typeface="Courier New"/>
               </a:rPr>
-              <a:t>    print(‘</a:t>
+              <a:t>    print(</a:t>
+            </a:r>
+            <a:r>
+              <a:rPr lang="en-US" sz="3000" dirty="0">
+                <a:solidFill>
+                  <a:srgbClr val="00FF00"/>
+                </a:solidFill>
+                <a:latin typeface="Courier"/>
+                <a:ea typeface="Courier"/>
+                <a:cs typeface="Courier"/>
+                <a:sym typeface="Courier New"/>
+              </a:rPr>
+              <a:t>'</a:t>
             </a:r>
             <a:r>
               <a:rPr lang="el-GR" sz="3000" i="0" u="none" strike="noStrike" cap="none" dirty="0">
@@ -7263,7 +7275,19 @@
                 <a:cs typeface="Courier"/>
                 <a:sym typeface="Courier New"/>
               </a:rPr>
-              <a:t>        print(‘</a:t>
+              <a:t>        print(</a:t>
+            </a:r>
+            <a:r>
+              <a:rPr lang="en-US" sz="3000" dirty="0">
+                <a:solidFill>
+                  <a:srgbClr val="FF9900"/>
+                </a:solidFill>
+                <a:latin typeface="Courier"/>
+                <a:ea typeface="Courier"/>
+                <a:cs typeface="Courier"/>
+                <a:sym typeface="Courier New"/>
+              </a:rPr>
+              <a:t>'</a:t>
             </a:r>
             <a:r>
               <a:rPr lang="el-GR" sz="3000" i="0" u="none" strike="noStrike" cap="none" dirty="0">
@@ -7328,7 +7352,19 @@
                 <a:cs typeface="Courier"/>
                 <a:sym typeface="Courier New"/>
               </a:rPr>
-              <a:t>print(‘</a:t>
+              <a:t>print(</a:t>
+            </a:r>
+            <a:r>
+              <a:rPr lang="en-US" sz="3000" dirty="0">
+                <a:solidFill>
+                  <a:srgbClr val="00FFFF"/>
+                </a:solidFill>
+                <a:latin typeface="Courier"/>
+                <a:ea typeface="Courier"/>
+                <a:cs typeface="Courier"/>
+                <a:sym typeface="Courier New"/>
+              </a:rPr>
+              <a:t>'</a:t>
             </a:r>
             <a:r>
               <a:rPr lang="el-GR" sz="3000" i="0" u="none" strike="noStrike" cap="none" dirty="0">
@@ -8741,7 +8777,7 @@
                 <a:cs typeface="Arial" charset="0"/>
                 <a:sym typeface="Cabin"/>
               </a:rPr>
-              <a:t>print(‘</a:t>
+              <a:t>print('</a:t>
             </a:r>
             <a:r>
               <a:rPr lang="el-GR" sz="3200" u="none" strike="noStrike" cap="none" dirty="0">
@@ -9205,7 +9241,7 @@
                 <a:cs typeface="Arial" charset="0"/>
                 <a:sym typeface="Cabin"/>
               </a:rPr>
-              <a:t>print(</a:t>
+              <a:t>print('</a:t>
             </a:r>
             <a:r>
               <a:rPr lang="el-GR" sz="3200" u="none" strike="noStrike" cap="none" dirty="0">
@@ -9370,7 +9406,19 @@
                 <a:cs typeface="Arial" charset="0"/>
                 <a:sym typeface="Cabin"/>
               </a:rPr>
-              <a:t>print(‘</a:t>
+              <a:t>print(</a:t>
+            </a:r>
+            <a:r>
+              <a:rPr lang="en-US" sz="3600" u="none" strike="noStrike" cap="none" dirty="0">
+                <a:solidFill>
+                  <a:schemeClr val="lt1"/>
+                </a:solidFill>
+                <a:latin typeface="Arial" charset="0"/>
+                <a:ea typeface="Arial" charset="0"/>
+                <a:cs typeface="Arial" charset="0"/>
+                <a:sym typeface="Cabin"/>
+              </a:rPr>
+              <a:t>'</a:t>
             </a:r>
             <a:r>
               <a:rPr lang="el-GR" sz="3300" u="none" strike="noStrike" cap="none" dirty="0">
@@ -10160,7 +10208,19 @@
                 <a:cs typeface="Arial" charset="0"/>
                 <a:sym typeface="Cabin"/>
               </a:rPr>
-              <a:t>print(‘</a:t>
+              <a:t>print(</a:t>
+            </a:r>
+            <a:r>
+              <a:rPr lang="en-US" sz="3600" u="none" strike="noStrike" cap="none" dirty="0">
+                <a:solidFill>
+                  <a:schemeClr val="lt1"/>
+                </a:solidFill>
+                <a:latin typeface="Arial" charset="0"/>
+                <a:ea typeface="Arial" charset="0"/>
+                <a:cs typeface="Arial" charset="0"/>
+                <a:sym typeface="Cabin"/>
+              </a:rPr>
+              <a:t>'</a:t>
             </a:r>
             <a:r>
               <a:rPr lang="el-GR" sz="3300" u="none" strike="noStrike" cap="none" dirty="0">
@@ -10416,7 +10476,7 @@
                 <a:cs typeface="Courier"/>
                 <a:sym typeface="Courier New"/>
               </a:rPr>
-              <a:t>    print(‘</a:t>
+              <a:t>    print('</a:t>
             </a:r>
             <a:r>
               <a:rPr lang="el-GR" sz="3000" i="0" u="none" strike="noStrike" cap="none" dirty="0">
@@ -10581,7 +10641,7 @@
                 <a:cs typeface="Arial" charset="0"/>
                 <a:sym typeface="Cabin"/>
               </a:rPr>
-              <a:t>print(‘</a:t>
+              <a:t>print('</a:t>
             </a:r>
             <a:r>
               <a:rPr lang="el-GR" sz="3200" u="none" strike="noStrike" cap="none" dirty="0">
@@ -11603,7 +11663,7 @@
                 <a:cs typeface="Arial" charset="0"/>
                 <a:sym typeface="Cabin"/>
               </a:rPr>
-              <a:t>print(‘</a:t>
+              <a:t>print('</a:t>
             </a:r>
             <a:r>
               <a:rPr lang="el-GR" sz="3300" u="none" strike="noStrike" cap="none" dirty="0">
@@ -11696,7 +11756,7 @@
                 <a:cs typeface="Arial" charset="0"/>
                 <a:sym typeface="Cabin"/>
               </a:rPr>
-              <a:t>print(‘</a:t>
+              <a:t>print('</a:t>
             </a:r>
             <a:r>
               <a:rPr lang="el-GR" sz="3200" u="none" strike="noStrike" cap="none" dirty="0">
@@ -11982,7 +12042,7 @@
                 <a:cs typeface="Courier"/>
                 <a:sym typeface="Courier New"/>
               </a:rPr>
-              <a:t>    print(‘</a:t>
+              <a:t>    print('</a:t>
             </a:r>
             <a:r>
               <a:rPr lang="el-GR" sz="3000" i="0" u="none" strike="noStrike" cap="none" dirty="0">
@@ -12385,16 +12445,16 @@
               <a:t>print(</a:t>
             </a:r>
             <a:r>
-              <a:rPr lang="en-US" sz="3000" i="0" u="none" strike="noStrike" cap="none" dirty="0">
-                <a:solidFill>
-                  <a:schemeClr val="lt1"/>
-                </a:solidFill>
-                <a:latin typeface="Courier"/>
-                <a:ea typeface="Courier"/>
-                <a:cs typeface="Courier"/>
-                <a:sym typeface="Courier New"/>
-              </a:rPr>
-              <a:t>‘</a:t>
+              <a:rPr lang="en-US" sz="3000" dirty="0">
+                <a:solidFill>
+                  <a:schemeClr val="lt1"/>
+                </a:solidFill>
+                <a:latin typeface="Courier"/>
+                <a:ea typeface="Courier"/>
+                <a:cs typeface="Courier"/>
+                <a:sym typeface="Courier New"/>
+              </a:rPr>
+              <a:t>'</a:t>
             </a:r>
             <a:r>
               <a:rPr lang="el-GR" sz="3000" dirty="0">
@@ -12517,16 +12577,16 @@
               <a:t>print(</a:t>
             </a:r>
             <a:r>
-              <a:rPr lang="en-US" sz="3000" i="0" u="none" strike="noStrike" cap="none" dirty="0">
-                <a:solidFill>
-                  <a:schemeClr val="lt1"/>
-                </a:solidFill>
-                <a:latin typeface="Courier"/>
-                <a:ea typeface="Courier"/>
-                <a:cs typeface="Courier"/>
-                <a:sym typeface="Courier New"/>
-              </a:rPr>
-              <a:t>‘</a:t>
+              <a:rPr lang="en-US" sz="3000" dirty="0">
+                <a:solidFill>
+                  <a:schemeClr val="lt1"/>
+                </a:solidFill>
+                <a:latin typeface="Courier"/>
+                <a:ea typeface="Courier"/>
+                <a:cs typeface="Courier"/>
+                <a:sym typeface="Courier New"/>
+              </a:rPr>
+              <a:t>'</a:t>
             </a:r>
             <a:r>
               <a:rPr lang="el-GR" sz="3000" dirty="0">
@@ -12649,16 +12709,16 @@
               <a:t>print(</a:t>
             </a:r>
             <a:r>
-              <a:rPr lang="en-US" sz="3000" i="0" u="none" strike="noStrike" cap="none" dirty="0">
-                <a:solidFill>
-                  <a:schemeClr val="lt1"/>
-                </a:solidFill>
-                <a:latin typeface="Courier"/>
-                <a:ea typeface="Courier"/>
-                <a:cs typeface="Courier"/>
-                <a:sym typeface="Courier New"/>
-              </a:rPr>
-              <a:t>‘</a:t>
+              <a:rPr lang="en-US" sz="3000" dirty="0">
+                <a:solidFill>
+                  <a:schemeClr val="lt1"/>
+                </a:solidFill>
+                <a:latin typeface="Courier"/>
+                <a:ea typeface="Courier"/>
+                <a:cs typeface="Courier"/>
+                <a:sym typeface="Courier New"/>
+              </a:rPr>
+              <a:t>'</a:t>
             </a:r>
             <a:r>
               <a:rPr lang="el-GR" sz="3000" i="0" u="none" strike="noStrike" cap="none" dirty="0">
@@ -12735,19 +12795,7 @@
                 <a:cs typeface="Courier"/>
                 <a:sym typeface="Courier New"/>
               </a:rPr>
-              <a:t>(</a:t>
-            </a:r>
-            <a:r>
-              <a:rPr lang="en-US" sz="3000" i="0" u="none" strike="noStrike" cap="none" dirty="0">
-                <a:solidFill>
-                  <a:schemeClr val="lt1"/>
-                </a:solidFill>
-                <a:latin typeface="Courier"/>
-                <a:ea typeface="Courier"/>
-                <a:cs typeface="Courier"/>
-                <a:sym typeface="Courier New"/>
-              </a:rPr>
-              <a:t>‘</a:t>
+              <a:t>('</a:t>
             </a:r>
             <a:r>
               <a:rPr lang="el-GR" sz="3000" i="0" u="none" strike="noStrike" cap="none" dirty="0">
@@ -15802,7 +15850,19 @@
                 <a:cs typeface="Courier"/>
                 <a:sym typeface="Courier New"/>
               </a:rPr>
-              <a:t>    print('</a:t>
+              <a:t>    print(</a:t>
+            </a:r>
+            <a:r>
+              <a:rPr lang="en-US" sz="3000" dirty="0">
+                <a:solidFill>
+                  <a:srgbClr val="FFC000"/>
+                </a:solidFill>
+                <a:latin typeface="Courier"/>
+                <a:ea typeface="Courier"/>
+                <a:cs typeface="Courier"/>
+                <a:sym typeface="Courier New"/>
+              </a:rPr>
+              <a:t>'</a:t>
             </a:r>
             <a:r>
               <a:rPr lang="el-GR" sz="3000" dirty="0">
@@ -17506,7 +17566,7 @@
               <a:t>Μεσαίο</a:t>
             </a:r>
             <a:r>
-              <a:rPr lang="en-US" sz="3000" dirty="0">
+              <a:rPr lang="en-US" sz="3000" i="0" u="none" strike="noStrike" cap="none" dirty="0">
                 <a:solidFill>
                   <a:schemeClr val="lt1"/>
                 </a:solidFill>
@@ -18130,7 +18190,19 @@
                 <a:cs typeface="Arial" charset="0"/>
                 <a:sym typeface="Cabin"/>
               </a:rPr>
-              <a:t>print('</a:t>
+              <a:t>print(</a:t>
+            </a:r>
+            <a:r>
+              <a:rPr lang="en-US" sz="3600" u="none" strike="noStrike" cap="none" dirty="0">
+                <a:solidFill>
+                  <a:schemeClr val="lt1"/>
+                </a:solidFill>
+                <a:latin typeface="Arial" charset="0"/>
+                <a:ea typeface="Arial" charset="0"/>
+                <a:cs typeface="Arial" charset="0"/>
+                <a:sym typeface="Cabin"/>
+              </a:rPr>
+              <a:t>'</a:t>
             </a:r>
             <a:r>
               <a:rPr lang="el-GR" sz="3300" u="none" strike="noStrike" cap="none" dirty="0">
@@ -18145,6 +18217,18 @@
               <a:t>Τέλος</a:t>
             </a:r>
             <a:r>
+              <a:rPr lang="en-US" sz="3600" u="none" strike="noStrike" cap="none" dirty="0">
+                <a:solidFill>
+                  <a:schemeClr val="lt1"/>
+                </a:solidFill>
+                <a:latin typeface="Arial" charset="0"/>
+                <a:ea typeface="Arial" charset="0"/>
+                <a:cs typeface="Arial" charset="0"/>
+                <a:sym typeface="Cabin"/>
+              </a:rPr>
+              <a:t>'</a:t>
+            </a:r>
+            <a:r>
               <a:rPr lang="en-US" sz="3300" u="none" strike="noStrike" cap="none" dirty="0">
                 <a:solidFill>
                   <a:schemeClr val="lt1"/>
@@ -18154,7 +18238,7 @@
                 <a:cs typeface="Arial" charset="0"/>
                 <a:sym typeface="Cabin"/>
               </a:rPr>
-              <a:t>')</a:t>
+              <a:t>)</a:t>
             </a:r>
           </a:p>
         </p:txBody>
@@ -19277,13 +19361,25 @@
               <a:t>print(</a:t>
             </a:r>
             <a:r>
+              <a:rPr lang="en-US" sz="2800" u="none" strike="noStrike" cap="none" dirty="0">
+                <a:solidFill>
+                  <a:srgbClr val="00FF00"/>
+                </a:solidFill>
+                <a:latin typeface="Courier" charset="0"/>
+                <a:ea typeface="Courier" charset="0"/>
+                <a:cs typeface="Courier" charset="0"/>
+                <a:sym typeface="Cabin"/>
+              </a:rPr>
+              <a:t>'</a:t>
+            </a:r>
+            <a:r>
               <a:rPr lang="el-GR" sz="2800" dirty="0">
                 <a:solidFill>
                   <a:srgbClr val="00FF00"/>
                 </a:solidFill>
                 <a:sym typeface="Cabin"/>
               </a:rPr>
-              <a:t>'Μικρότερο</a:t>
+              <a:t>Μικρότερο</a:t>
             </a:r>
             <a:r>
               <a:rPr lang="en-US" sz="2800" dirty="0">
@@ -19489,7 +19585,7 @@
                 <a:cs typeface="Courier" charset="0"/>
                 <a:sym typeface="Cabin"/>
               </a:rPr>
-              <a:t>‘</a:t>
+              <a:t>'</a:t>
             </a:r>
             <a:r>
               <a:rPr lang="el-GR" sz="2800" u="none" strike="noStrike" cap="none" dirty="0">
@@ -19804,7 +19900,19 @@
                 <a:cs typeface="Arial" charset="0"/>
                 <a:sym typeface="Cabin"/>
               </a:rPr>
-              <a:t>print(‘</a:t>
+              <a:t>print(</a:t>
+            </a:r>
+            <a:r>
+              <a:rPr lang="en-US" sz="3000" dirty="0">
+                <a:solidFill>
+                  <a:schemeClr val="lt1"/>
+                </a:solidFill>
+                <a:latin typeface="Arial" charset="0"/>
+                <a:ea typeface="Arial" charset="0"/>
+                <a:cs typeface="Arial" charset="0"/>
+                <a:sym typeface="Cabin"/>
+              </a:rPr>
+              <a:t>'</a:t>
             </a:r>
             <a:r>
               <a:rPr lang="el-GR" sz="3000" u="none" strike="noStrike" cap="none" dirty="0">
@@ -20311,7 +20419,19 @@
                 <a:cs typeface="Arial" charset="0"/>
                 <a:sym typeface="Cabin"/>
               </a:rPr>
-              <a:t>print(‘</a:t>
+              <a:t>print(</a:t>
+            </a:r>
+            <a:r>
+              <a:rPr lang="en-US" sz="3000" dirty="0">
+                <a:solidFill>
+                  <a:schemeClr val="lt1"/>
+                </a:solidFill>
+                <a:latin typeface="Arial" charset="0"/>
+                <a:ea typeface="Arial" charset="0"/>
+                <a:cs typeface="Arial" charset="0"/>
+                <a:sym typeface="Cabin"/>
+              </a:rPr>
+              <a:t>'</a:t>
             </a:r>
             <a:r>
               <a:rPr lang="el-GR" sz="3000" dirty="0">
@@ -21299,7 +21419,19 @@
                 <a:cs typeface="Courier"/>
                 <a:sym typeface="Courier New"/>
               </a:rPr>
-              <a:t>    print('</a:t>
+              <a:t>    print(</a:t>
+            </a:r>
+            <a:r>
+              <a:rPr lang="en-US" sz="3000" dirty="0">
+                <a:solidFill>
+                  <a:srgbClr val="FFFF00"/>
+                </a:solidFill>
+                <a:latin typeface="Courier"/>
+                <a:ea typeface="Courier"/>
+                <a:cs typeface="Courier"/>
+                <a:sym typeface="Courier New"/>
+              </a:rPr>
+              <a:t>'</a:t>
             </a:r>
             <a:r>
               <a:rPr lang="el-GR" sz="3000" i="0" u="none" strike="noStrike" cap="none" dirty="0">
@@ -21395,7 +21527,19 @@
                 <a:cs typeface="Courier"/>
                 <a:sym typeface="Courier New"/>
               </a:rPr>
-              <a:t>    print(‘</a:t>
+              <a:t>    print(</a:t>
+            </a:r>
+            <a:r>
+              <a:rPr lang="en-US" sz="3000" dirty="0">
+                <a:solidFill>
+                  <a:srgbClr val="FFFF00"/>
+                </a:solidFill>
+                <a:latin typeface="Courier"/>
+                <a:ea typeface="Courier"/>
+                <a:cs typeface="Courier"/>
+                <a:sym typeface="Courier New"/>
+              </a:rPr>
+              <a:t>'</a:t>
             </a:r>
             <a:r>
               <a:rPr lang="el-GR" sz="3000" i="0" u="none" strike="noStrike" cap="none" dirty="0">
@@ -21491,7 +21635,19 @@
                 <a:cs typeface="Courier"/>
                 <a:sym typeface="Courier New"/>
               </a:rPr>
-              <a:t>    print(‘</a:t>
+              <a:t>    print(</a:t>
+            </a:r>
+            <a:r>
+              <a:rPr lang="en-US" sz="3000" dirty="0">
+                <a:solidFill>
+                  <a:srgbClr val="FFFF00"/>
+                </a:solidFill>
+                <a:latin typeface="Courier"/>
+                <a:ea typeface="Courier"/>
+                <a:cs typeface="Courier"/>
+                <a:sym typeface="Courier New"/>
+              </a:rPr>
+              <a:t>'</a:t>
             </a:r>
             <a:r>
               <a:rPr lang="el-GR" sz="3000" i="0" u="none" strike="noStrike" cap="none" dirty="0">
@@ -21587,7 +21743,19 @@
                 <a:cs typeface="Courier"/>
                 <a:sym typeface="Courier New"/>
               </a:rPr>
-              <a:t>    print(‘</a:t>
+              <a:t>    print(</a:t>
+            </a:r>
+            <a:r>
+              <a:rPr lang="en-US" sz="3000" dirty="0">
+                <a:solidFill>
+                  <a:srgbClr val="FFFF00"/>
+                </a:solidFill>
+                <a:latin typeface="Courier"/>
+                <a:ea typeface="Courier"/>
+                <a:cs typeface="Courier"/>
+                <a:sym typeface="Courier New"/>
+              </a:rPr>
+              <a:t>'</a:t>
             </a:r>
             <a:r>
               <a:rPr lang="el-GR" sz="3000" i="0" u="none" strike="noStrike" cap="none" dirty="0">
@@ -21671,7 +21839,19 @@
                 <a:cs typeface="Courier"/>
                 <a:sym typeface="Courier New"/>
               </a:rPr>
-              <a:t>    print(‘</a:t>
+              <a:t>    print(</a:t>
+            </a:r>
+            <a:r>
+              <a:rPr lang="en-US" sz="3000" dirty="0">
+                <a:solidFill>
+                  <a:srgbClr val="FFFF00"/>
+                </a:solidFill>
+                <a:latin typeface="Courier"/>
+                <a:ea typeface="Courier"/>
+                <a:cs typeface="Courier"/>
+                <a:sym typeface="Courier New"/>
+              </a:rPr>
+              <a:t>'</a:t>
             </a:r>
             <a:r>
               <a:rPr lang="el-GR" sz="3000" i="0" u="none" strike="noStrike" cap="none" dirty="0">
@@ -22310,7 +22490,19 @@
                 <a:cs typeface="Courier"/>
                 <a:sym typeface="Courier New"/>
               </a:rPr>
-              <a:t>    print(‘</a:t>
+              <a:t>    print(</a:t>
+            </a:r>
+            <a:r>
+              <a:rPr lang="en-US" sz="3000" dirty="0">
+                <a:solidFill>
+                  <a:srgbClr val="FFFF00"/>
+                </a:solidFill>
+                <a:latin typeface="Courier"/>
+                <a:ea typeface="Courier"/>
+                <a:cs typeface="Courier"/>
+                <a:sym typeface="Courier New"/>
+              </a:rPr>
+              <a:t>'</a:t>
             </a:r>
             <a:r>
               <a:rPr lang="el-GR" sz="3000" dirty="0">
@@ -22418,7 +22610,19 @@
                 <a:cs typeface="Courier"/>
                 <a:sym typeface="Courier New"/>
               </a:rPr>
-              <a:t>    print(‘</a:t>
+              <a:t>    print(</a:t>
+            </a:r>
+            <a:r>
+              <a:rPr lang="en-US" sz="3000" dirty="0">
+                <a:solidFill>
+                  <a:srgbClr val="FFFF00"/>
+                </a:solidFill>
+                <a:latin typeface="Courier"/>
+                <a:ea typeface="Courier"/>
+                <a:cs typeface="Courier"/>
+                <a:sym typeface="Courier New"/>
+              </a:rPr>
+              <a:t>'</a:t>
             </a:r>
             <a:r>
               <a:rPr lang="el-GR" sz="3000" i="0" u="none" strike="noStrike" cap="none" dirty="0">
@@ -22502,7 +22706,19 @@
                 <a:cs typeface="Courier"/>
                 <a:sym typeface="Courier New"/>
               </a:rPr>
-              <a:t>    print(‘</a:t>
+              <a:t>    print(</a:t>
+            </a:r>
+            <a:r>
+              <a:rPr lang="en-US" sz="3000" dirty="0">
+                <a:solidFill>
+                  <a:srgbClr val="FFFF00"/>
+                </a:solidFill>
+                <a:latin typeface="Courier"/>
+                <a:ea typeface="Courier"/>
+                <a:cs typeface="Courier"/>
+                <a:sym typeface="Courier New"/>
+              </a:rPr>
+              <a:t>'</a:t>
             </a:r>
             <a:r>
               <a:rPr lang="el-GR" sz="3000" i="0" u="none" strike="noStrike" cap="none" dirty="0">
@@ -23512,7 +23728,7 @@
                 <a:cs typeface="Courier"/>
                 <a:sym typeface="Courier New"/>
               </a:rPr>
-              <a:t>print(‘</a:t>
+              <a:t>print('</a:t>
             </a:r>
             <a:r>
               <a:rPr lang="el-GR" sz="3000" i="0" u="none" strike="noStrike" cap="none" dirty="0">
@@ -28367,7 +28583,7 @@
                 <a:cs typeface="Courier"/>
                 <a:sym typeface="Courier New"/>
               </a:rPr>
-              <a:t>print(‘</a:t>
+              <a:t>print('</a:t>
             </a:r>
             <a:r>
               <a:rPr lang="el-GR" sz="3000" dirty="0">
@@ -28523,7 +28739,19 @@
                 <a:cs typeface="Courier"/>
                 <a:sym typeface="Courier New"/>
               </a:rPr>
-              <a:t>    print(‘</a:t>
+              <a:t>    print(</a:t>
+            </a:r>
+            <a:r>
+              <a:rPr lang="en-US" sz="3000" dirty="0">
+                <a:solidFill>
+                  <a:srgbClr val="FF9900"/>
+                </a:solidFill>
+                <a:latin typeface="Courier"/>
+                <a:ea typeface="Courier"/>
+                <a:cs typeface="Courier"/>
+                <a:sym typeface="Courier New"/>
+              </a:rPr>
+              <a:t>'</a:t>
             </a:r>
             <a:r>
               <a:rPr lang="el-GR" sz="3000" i="0" u="none" strike="noStrike" cap="none" dirty="0">
@@ -28685,7 +28913,7 @@
                 <a:cs typeface="Courier"/>
                 <a:sym typeface="Courier New"/>
               </a:rPr>
-              <a:t>print(‘</a:t>
+              <a:t>print('</a:t>
             </a:r>
             <a:r>
               <a:rPr lang="el-GR" sz="3000" i="0" u="none" strike="noStrike" cap="none" dirty="0">
@@ -29911,6 +30139,34 @@
               </a:rPr>
               <a:t>Δεν είναι αριθμός</a:t>
             </a:r>
+            <a:endParaRPr lang="en-US" sz="3000" i="0" u="none" strike="noStrike" cap="none" dirty="0">
+              <a:solidFill>
+                <a:schemeClr val="lt1"/>
+              </a:solidFill>
+              <a:latin typeface="Courier"/>
+              <a:ea typeface="Courier"/>
+              <a:cs typeface="Courier"/>
+              <a:sym typeface="Courier New"/>
+            </a:endParaRPr>
+          </a:p>
+          <a:p>
+            <a:pPr marL="0" marR="0" lvl="0" indent="0" algn="l" rtl="0">
+              <a:lnSpc>
+                <a:spcPct val="100000"/>
+              </a:lnSpc>
+              <a:spcBef>
+                <a:spcPts val="0"/>
+              </a:spcBef>
+              <a:spcAft>
+                <a:spcPts val="0"/>
+              </a:spcAft>
+              <a:buClr>
+                <a:schemeClr val="lt1"/>
+              </a:buClr>
+              <a:buSzPct val="25000"/>
+              <a:buFont typeface="Cabin"/>
+              <a:buNone/>
+            </a:pPr>
             <a:r>
               <a:rPr lang="en-US" sz="3000" i="0" u="none" strike="noStrike" cap="none" dirty="0">
                 <a:solidFill>
@@ -29990,7 +30246,7 @@
                 <a:cs typeface="Courier"/>
                 <a:sym typeface="Courier New"/>
               </a:rPr>
-              <a:t> = input(‘</a:t>
+              <a:t> = input('</a:t>
             </a:r>
             <a:r>
               <a:rPr lang="el-GR" sz="3000" i="0" u="none" strike="noStrike" cap="none" dirty="0">
@@ -30337,7 +30593,7 @@
                 <a:cs typeface="Courier"/>
                 <a:sym typeface="Courier New"/>
               </a:rPr>
-              <a:t>    print(‘</a:t>
+              <a:t>    print('</a:t>
             </a:r>
             <a:r>
               <a:rPr lang="el-GR" sz="3000" i="0" u="none" strike="noStrike" cap="none" dirty="0">
@@ -30421,7 +30677,7 @@
                 <a:cs typeface="Courier"/>
                 <a:sym typeface="Courier New"/>
               </a:rPr>
-              <a:t>    print(‘</a:t>
+              <a:t>    print('</a:t>
             </a:r>
             <a:r>
               <a:rPr lang="el-GR" sz="3000" i="0" u="none" strike="noStrike" cap="none" dirty="0">
@@ -34515,6 +34771,39 @@
           </a:p>
         </p:txBody>
       </p:sp>
+      <p:pic>
+        <p:nvPicPr>
+          <p:cNvPr id="6" name="Shape 536">
+            <a:extLst>
+              <a:ext uri="{FF2B5EF4-FFF2-40B4-BE49-F238E27FC236}">
+                <a16:creationId xmlns:a16="http://schemas.microsoft.com/office/drawing/2014/main" id="{BE10AF01-D437-453D-BE38-BD03821DC145}"/>
+              </a:ext>
+            </a:extLst>
+          </p:cNvPr>
+          <p:cNvPicPr preferRelativeResize="0"/>
+          <p:nvPr/>
+        </p:nvPicPr>
+        <p:blipFill rotWithShape="1">
+          <a:blip r:embed="rId5">
+            <a:alphaModFix/>
+          </a:blip>
+          <a:srcRect/>
+          <a:stretch/>
+        </p:blipFill>
+        <p:spPr>
+          <a:xfrm>
+            <a:off x="643300" y="789709"/>
+            <a:ext cx="1024800" cy="1024800"/>
+          </a:xfrm>
+          <a:prstGeom prst="rect">
+            <a:avLst/>
+          </a:prstGeom>
+          <a:noFill/>
+          <a:ln>
+            <a:noFill/>
+          </a:ln>
+        </p:spPr>
+      </p:pic>
     </p:spTree>
   </p:cSld>
   <p:clrMapOvr>
@@ -34709,7 +34998,19 @@
                 <a:cs typeface="Courier"/>
                 <a:sym typeface="Courier New"/>
               </a:rPr>
-              <a:t>    print(‘</a:t>
+              <a:t>    print(</a:t>
+            </a:r>
+            <a:r>
+              <a:rPr lang="en-US" sz="3000" dirty="0">
+                <a:solidFill>
+                  <a:srgbClr val="00FF00"/>
+                </a:solidFill>
+                <a:latin typeface="Courier"/>
+                <a:ea typeface="Courier"/>
+                <a:cs typeface="Courier"/>
+                <a:sym typeface="Courier New"/>
+              </a:rPr>
+              <a:t>'</a:t>
             </a:r>
             <a:r>
               <a:rPr lang="el-GR" sz="3000" i="0" u="none" strike="noStrike" cap="none" dirty="0">
@@ -34805,7 +35106,19 @@
                 <a:cs typeface="Courier"/>
                 <a:sym typeface="Courier New"/>
               </a:rPr>
-              <a:t>   print(‘</a:t>
+              <a:t>   print(</a:t>
+            </a:r>
+            <a:r>
+              <a:rPr lang="en-US" sz="3000" dirty="0">
+                <a:solidFill>
+                  <a:srgbClr val="FF00FF"/>
+                </a:solidFill>
+                <a:latin typeface="Courier"/>
+                <a:ea typeface="Courier"/>
+                <a:cs typeface="Courier"/>
+                <a:sym typeface="Courier New"/>
+              </a:rPr>
+              <a:t>'</a:t>
             </a:r>
             <a:r>
               <a:rPr lang="el-GR" sz="3000" i="0" u="none" strike="noStrike" cap="none" dirty="0">
@@ -34892,7 +35205,19 @@
                 <a:cs typeface="Courier"/>
                 <a:sym typeface="Courier New"/>
               </a:rPr>
-              <a:t>    print(‘</a:t>
+              <a:t>    print(</a:t>
+            </a:r>
+            <a:r>
+              <a:rPr lang="en-US" sz="3000" dirty="0">
+                <a:solidFill>
+                  <a:srgbClr val="FF9900"/>
+                </a:solidFill>
+                <a:latin typeface="Courier"/>
+                <a:ea typeface="Courier"/>
+                <a:cs typeface="Courier"/>
+                <a:sym typeface="Courier New"/>
+              </a:rPr>
+              <a:t>'</a:t>
             </a:r>
             <a:r>
               <a:rPr lang="el-GR" sz="3000" i="0" u="none" strike="noStrike" cap="none" dirty="0">
@@ -34957,7 +35282,19 @@
                 <a:cs typeface="Courier"/>
                 <a:sym typeface="Courier New"/>
               </a:rPr>
-              <a:t>if x &lt; 6 : print(‘</a:t>
+              <a:t>if x &lt; 6 : print(</a:t>
+            </a:r>
+            <a:r>
+              <a:rPr lang="en-US" sz="3000" dirty="0">
+                <a:solidFill>
+                  <a:srgbClr val="D9D9D9"/>
+                </a:solidFill>
+                <a:latin typeface="Courier"/>
+                <a:ea typeface="Courier"/>
+                <a:cs typeface="Courier"/>
+                <a:sym typeface="Courier New"/>
+              </a:rPr>
+              <a:t>'</a:t>
             </a:r>
             <a:r>
               <a:rPr lang="el-GR" sz="3000" i="0" u="none" strike="noStrike" cap="none" dirty="0">
@@ -35053,7 +35390,19 @@
                 <a:cs typeface="Courier"/>
                 <a:sym typeface="Courier New"/>
               </a:rPr>
-              <a:t>    print(‘</a:t>
+              <a:t>    print(</a:t>
+            </a:r>
+            <a:r>
+              <a:rPr lang="en-US" sz="3000" dirty="0">
+                <a:solidFill>
+                  <a:srgbClr val="FFFF00"/>
+                </a:solidFill>
+                <a:latin typeface="Courier"/>
+                <a:ea typeface="Courier"/>
+                <a:cs typeface="Courier"/>
+                <a:sym typeface="Courier New"/>
+              </a:rPr>
+              <a:t>'</a:t>
             </a:r>
             <a:r>
               <a:rPr lang="el-GR" sz="3000" i="0" u="none" strike="noStrike" cap="none" dirty="0">
@@ -35140,7 +35489,19 @@
                 <a:cs typeface="Courier"/>
                 <a:sym typeface="Courier New"/>
               </a:rPr>
-              <a:t>    print(‘</a:t>
+              <a:t>    print(</a:t>
+            </a:r>
+            <a:r>
+              <a:rPr lang="en-US" sz="3000" dirty="0">
+                <a:solidFill>
+                  <a:srgbClr val="00FFFF"/>
+                </a:solidFill>
+                <a:latin typeface="Courier"/>
+                <a:ea typeface="Courier"/>
+                <a:cs typeface="Courier"/>
+                <a:sym typeface="Courier New"/>
+              </a:rPr>
+              <a:t>'</a:t>
             </a:r>
             <a:r>
               <a:rPr lang="el-GR" sz="3000" i="0" u="none" strike="noStrike" cap="none" dirty="0">
@@ -35740,7 +36101,19 @@
                 <a:cs typeface="Courier"/>
                 <a:sym typeface="Courier New"/>
               </a:rPr>
-              <a:t>    print(‘</a:t>
+              <a:t>    print(</a:t>
+            </a:r>
+            <a:r>
+              <a:rPr lang="en-US" sz="3200" dirty="0">
+                <a:solidFill>
+                  <a:srgbClr val="00FFFF"/>
+                </a:solidFill>
+                <a:latin typeface="Courier"/>
+                <a:ea typeface="Courier"/>
+                <a:cs typeface="Courier"/>
+                <a:sym typeface="Courier New"/>
+              </a:rPr>
+              <a:t>'</a:t>
             </a:r>
             <a:r>
               <a:rPr lang="el-GR" sz="3200" i="0" u="none" strike="noStrike" cap="none" dirty="0">
@@ -35852,7 +36225,19 @@
                 <a:cs typeface="Courier"/>
                 <a:sym typeface="Courier New"/>
               </a:rPr>
-              <a:t>    print(‘</a:t>
+              <a:t>    print(</a:t>
+            </a:r>
+            <a:r>
+              <a:rPr lang="en-US" sz="3200" dirty="0">
+                <a:solidFill>
+                  <a:srgbClr val="00FFFF"/>
+                </a:solidFill>
+                <a:latin typeface="Courier"/>
+                <a:ea typeface="Courier"/>
+                <a:cs typeface="Courier"/>
+                <a:sym typeface="Courier New"/>
+              </a:rPr>
+              <a:t>'</a:t>
             </a:r>
             <a:r>
               <a:rPr lang="el-GR" sz="3200" i="0" u="none" strike="noStrike" cap="none" dirty="0">
@@ -35908,7 +36293,19 @@
                 <a:cs typeface="Courier"/>
                 <a:sym typeface="Courier New"/>
               </a:rPr>
-              <a:t>print(‘</a:t>
+              <a:t>print(</a:t>
+            </a:r>
+            <a:r>
+              <a:rPr lang="en-US" sz="3200" dirty="0">
+                <a:solidFill>
+                  <a:srgbClr val="FF9900"/>
+                </a:solidFill>
+                <a:latin typeface="Courier"/>
+                <a:ea typeface="Courier"/>
+                <a:cs typeface="Courier"/>
+                <a:sym typeface="Courier New"/>
+              </a:rPr>
+              <a:t>'</a:t>
             </a:r>
             <a:r>
               <a:rPr lang="el-GR" sz="3200" i="0" u="none" strike="noStrike" cap="none" dirty="0">
@@ -35997,7 +36394,19 @@
                 <a:cs typeface="Courier"/>
                 <a:sym typeface="Courier New"/>
               </a:rPr>
-              <a:t>rint(‘</a:t>
+              <a:t>rint(</a:t>
+            </a:r>
+            <a:r>
+              <a:rPr lang="en-US" sz="3200" dirty="0">
+                <a:solidFill>
+                  <a:srgbClr val="FF9900"/>
+                </a:solidFill>
+                <a:latin typeface="Courier"/>
+                <a:ea typeface="Courier"/>
+                <a:cs typeface="Courier"/>
+                <a:sym typeface="Courier New"/>
+              </a:rPr>
+              <a:t>'</a:t>
             </a:r>
             <a:r>
               <a:rPr lang="el-GR" sz="3200" i="0" u="none" strike="noStrike" cap="none" dirty="0">
@@ -37333,7 +37742,19 @@
                 <a:cs typeface="Arial" charset="0"/>
                 <a:sym typeface="Cabin"/>
               </a:rPr>
-              <a:t>print('</a:t>
+              <a:t>print(</a:t>
+            </a:r>
+            <a:r>
+              <a:rPr lang="en-US" sz="3500" dirty="0">
+                <a:solidFill>
+                  <a:schemeClr val="lt1"/>
+                </a:solidFill>
+                <a:latin typeface="Arial" charset="0"/>
+                <a:ea typeface="Arial" charset="0"/>
+                <a:cs typeface="Arial" charset="0"/>
+                <a:sym typeface="Cabin"/>
+              </a:rPr>
+              <a:t>'</a:t>
             </a:r>
             <a:r>
               <a:rPr lang="el-GR" sz="3500" u="none" strike="noStrike" cap="none" dirty="0">
@@ -37536,7 +37957,7 @@
                 <a:cs typeface="Arial" charset="0"/>
                 <a:sym typeface="Cabin"/>
               </a:rPr>
-              <a:t>5’)</a:t>
+              <a:t>5')</a:t>
             </a:r>
             <a:endParaRPr lang="en-US" sz="3500" u="none" strike="noStrike" cap="none" dirty="0">
               <a:solidFill>
@@ -39584,7 +40005,19 @@
                 <a:cs typeface="Courier"/>
                 <a:sym typeface="Courier New"/>
               </a:rPr>
-              <a:t>     print(‘</a:t>
+              <a:t>     print(</a:t>
+            </a:r>
+            <a:r>
+              <a:rPr lang="en-US" sz="3200" dirty="0">
+                <a:solidFill>
+                  <a:schemeClr val="lt1"/>
+                </a:solidFill>
+                <a:latin typeface="Courier"/>
+                <a:ea typeface="Courier"/>
+                <a:cs typeface="Courier"/>
+                <a:sym typeface="Courier New"/>
+              </a:rPr>
+              <a:t>'</a:t>
             </a:r>
             <a:r>
               <a:rPr lang="el-GR" sz="3200" i="0" u="none" strike="noStrike" cap="none" dirty="0">
@@ -39649,7 +40082,19 @@
                 <a:cs typeface="Courier"/>
                 <a:sym typeface="Courier New"/>
               </a:rPr>
-              <a:t>     print(‘</a:t>
+              <a:t>     print(</a:t>
+            </a:r>
+            <a:r>
+              <a:rPr lang="en-US" sz="3200" dirty="0">
+                <a:solidFill>
+                  <a:schemeClr val="lt1"/>
+                </a:solidFill>
+                <a:latin typeface="Courier"/>
+                <a:ea typeface="Courier"/>
+                <a:cs typeface="Courier"/>
+                <a:sym typeface="Courier New"/>
+              </a:rPr>
+              <a:t>'</a:t>
             </a:r>
             <a:r>
               <a:rPr lang="el-GR" sz="3200" i="0" u="none" strike="noStrike" cap="none" dirty="0">
@@ -39702,7 +40147,19 @@
                 <a:cs typeface="Courier"/>
                 <a:sym typeface="Courier New"/>
               </a:rPr>
-              <a:t> print(‘</a:t>
+              <a:t> print(</a:t>
+            </a:r>
+            <a:r>
+              <a:rPr lang="en-US" sz="3200" dirty="0">
+                <a:solidFill>
+                  <a:schemeClr val="lt1"/>
+                </a:solidFill>
+                <a:latin typeface="Courier"/>
+                <a:ea typeface="Courier"/>
+                <a:cs typeface="Courier"/>
+                <a:sym typeface="Courier New"/>
+              </a:rPr>
+              <a:t>'</a:t>
             </a:r>
             <a:r>
               <a:rPr lang="el-GR" sz="3200" i="0" u="none" strike="noStrike" cap="none" dirty="0">
@@ -39943,7 +40400,19 @@
                 <a:cs typeface="Courier"/>
                 <a:sym typeface="Courier New"/>
               </a:rPr>
-              <a:t>         print('</a:t>
+              <a:t>         print(</a:t>
+            </a:r>
+            <a:r>
+              <a:rPr lang="en-US" sz="3200" dirty="0">
+                <a:solidFill>
+                  <a:schemeClr val="lt1"/>
+                </a:solidFill>
+                <a:latin typeface="Courier"/>
+                <a:ea typeface="Courier"/>
+                <a:cs typeface="Courier"/>
+                <a:sym typeface="Courier New"/>
+              </a:rPr>
+              <a:t>'</a:t>
             </a:r>
             <a:r>
               <a:rPr lang="el-GR" sz="3200" i="0" u="none" strike="noStrike" cap="none" dirty="0">
@@ -39955,7 +40424,7 @@
                 <a:cs typeface="Courier"/>
                 <a:sym typeface="Courier New"/>
               </a:rPr>
-              <a:t> Μεγαλύτερο από</a:t>
+              <a:t>Μεγαλύτερο από</a:t>
             </a:r>
             <a:r>
               <a:rPr lang="en-US" sz="3200" i="0" u="none" strike="noStrike" cap="none" dirty="0">
@@ -40019,7 +40488,19 @@
                 <a:cs typeface="Courier"/>
                 <a:sym typeface="Courier New"/>
               </a:rPr>
-              <a:t>     print('</a:t>
+              <a:t>     print(</a:t>
+            </a:r>
+            <a:r>
+              <a:rPr lang="en-US" sz="3200" dirty="0">
+                <a:solidFill>
+                  <a:schemeClr val="lt1"/>
+                </a:solidFill>
+                <a:latin typeface="Courier"/>
+                <a:ea typeface="Courier"/>
+                <a:cs typeface="Courier"/>
+                <a:sym typeface="Courier New"/>
+              </a:rPr>
+              <a:t>'</a:t>
             </a:r>
             <a:r>
               <a:rPr lang="el-GR" sz="3200" i="0" u="none" strike="noStrike" cap="none" dirty="0">
@@ -40031,7 +40512,7 @@
                 <a:cs typeface="Courier"/>
                 <a:sym typeface="Courier New"/>
               </a:rPr>
-              <a:t> Τέλος με το </a:t>
+              <a:t>Τέλος με το </a:t>
             </a:r>
             <a:r>
               <a:rPr lang="en-US" sz="3200" i="0" u="none" strike="noStrike" cap="none" dirty="0" err="1">
@@ -40110,7 +40591,7 @@
                 <a:cs typeface="Courier"/>
                 <a:sym typeface="Courier New"/>
               </a:rPr>
-              <a:t> print(‘</a:t>
+              <a:t> print('</a:t>
             </a:r>
             <a:r>
               <a:rPr lang="el-GR" sz="3200" dirty="0">

--- a/lectures3/gr/Pythonlearn-03-Conditional.pptx
+++ b/lectures3/gr/Pythonlearn-03-Conditional.pptx
@@ -579,13 +579,50 @@
               <a:buNone/>
             </a:pPr>
             <a:r>
+              <a:rPr lang="el-GR" dirty="0">
+                <a:solidFill>
+                  <a:schemeClr val="dk2"/>
+                </a:solidFill>
+              </a:rPr>
+              <a:t>Σημείωση από τον </a:t>
+            </a:r>
+            <a:r>
               <a:rPr lang="en-US" dirty="0">
                 <a:solidFill>
                   <a:schemeClr val="dk2"/>
                 </a:solidFill>
               </a:rPr>
-              <a:t>Note from Chuck.  If you are using these materials, you can remove the UM logo and replace it with your own, but please retain the CC-BY logo on the first page as well as retain the acknowledgement page(s).</a:t>
-            </a:r>
+              <a:t> Chuck</a:t>
+            </a:r>
+            <a:r>
+              <a:rPr lang="el-GR" dirty="0">
+                <a:solidFill>
+                  <a:schemeClr val="dk2"/>
+                </a:solidFill>
+              </a:rPr>
+              <a:t>. Εάν χρησιμοποιείτε αυτό το υλικό, μπορείτε να αφαιρέσετε το λογότυπο UM και να το αντικαταστήσετε με το δικό σας, αλλά διατηρήστε το λογότυπο CC-BY στην πρώτη σελίδα καθώς την/τις σελίδα/</a:t>
+            </a:r>
+            <a:r>
+              <a:rPr lang="el-GR" dirty="0" err="1">
+                <a:solidFill>
+                  <a:schemeClr val="dk2"/>
+                </a:solidFill>
+              </a:rPr>
+              <a:t>ες</a:t>
+            </a:r>
+            <a:r>
+              <a:rPr lang="el-GR">
+                <a:solidFill>
+                  <a:schemeClr val="dk2"/>
+                </a:solidFill>
+              </a:rPr>
+              <a:t> αναγνώρισης.</a:t>
+            </a:r>
+            <a:endParaRPr lang="en-US" dirty="0">
+              <a:solidFill>
+                <a:schemeClr val="dk2"/>
+              </a:solidFill>
+            </a:endParaRPr>
           </a:p>
         </p:txBody>
       </p:sp>

--- a/lectures3/gr/Pythonlearn-03-Conditional.pptx
+++ b/lectures3/gr/Pythonlearn-03-Conditional.pptx
@@ -5809,7 +5809,7 @@
                 <a:cs typeface="Arial" charset="0"/>
                 <a:sym typeface="Cabin"/>
               </a:rPr>
-              <a:t>Υπό όρους Εκτέλεση</a:t>
+              <a:t>Δομή Επιλογής</a:t>
             </a:r>
             <a:endParaRPr lang="en-US" sz="7600" u="none" strike="noStrike" cap="none" dirty="0">
               <a:solidFill>
@@ -21998,7 +21998,7 @@
               <a:buNone/>
             </a:pPr>
             <a:r>
-              <a:rPr lang="el-GR" sz="7600" u="none" strike="noStrike" cap="none" dirty="0" err="1">
+              <a:rPr lang="el-GR" sz="7600" u="none" strike="noStrike" cap="none" dirty="0">
                 <a:solidFill>
                   <a:srgbClr val="FFD966"/>
                 </a:solidFill>
@@ -22007,19 +22007,7 @@
                 <a:cs typeface="Arial" charset="0"/>
                 <a:sym typeface="Cabin"/>
               </a:rPr>
-              <a:t>Γρύφος</a:t>
-            </a:r>
-            <a:r>
-              <a:rPr lang="el-GR" sz="7600" u="none" strike="noStrike" cap="none" dirty="0">
-                <a:solidFill>
-                  <a:srgbClr val="FFD966"/>
-                </a:solidFill>
-                <a:latin typeface="Arial" charset="0"/>
-                <a:ea typeface="Arial" charset="0"/>
-                <a:cs typeface="Arial" charset="0"/>
-                <a:sym typeface="Cabin"/>
-              </a:rPr>
-              <a:t> Πολλαπλών Επιλογών</a:t>
+              <a:t>Γρίφος Πολλαπλών Επιλογών</a:t>
             </a:r>
             <a:endParaRPr lang="en-US" sz="7600" u="none" strike="noStrike" cap="none" dirty="0">
               <a:solidFill>
@@ -33497,7 +33485,7 @@
                 <a:cs typeface="Arial" charset="0"/>
                 <a:sym typeface="Cabin"/>
               </a:rPr>
-              <a:t>Ξαναγράψτε το πρόγραμμά σας για τον υπολογισμό της αμοιβής, ώστε να δώσετε στον υπάλληλο 1,5 φορές την ωριαία χρέωση για τις ώρες εργασίας πέραν των 40 ωρών</a:t>
+              <a:t>Ξαναγράψτε το πρόγραμμά σας για τον υπολογισμό της αμοιβής, ώστε να δώσετε στον υπάλληλο 1,5 φορές το ωρομίσθιο για τις ώρες εργασίας πέραν των 40 ωρών</a:t>
             </a:r>
             <a:r>
               <a:rPr lang="en-US" sz="3800" u="none" strike="noStrike" cap="none" dirty="0">
@@ -33824,7 +33812,7 @@
         </p:nvSpPr>
         <p:spPr>
           <a:xfrm>
-            <a:off x="509457" y="837575"/>
+            <a:off x="509457" y="840806"/>
             <a:ext cx="2503566" cy="660400"/>
           </a:xfrm>
           <a:prstGeom prst="rect">
@@ -33890,8 +33878,8 @@
         </p:nvSpPr>
         <p:spPr>
           <a:xfrm>
-            <a:off x="3136900" y="1916225"/>
-            <a:ext cx="10706100" cy="5689499"/>
+            <a:off x="1031461" y="2035495"/>
+            <a:ext cx="14193078" cy="5689499"/>
           </a:xfrm>
           <a:prstGeom prst="rect">
             <a:avLst/>
@@ -34006,7 +33994,7 @@
                 <a:cs typeface="Arial" charset="0"/>
                 <a:sym typeface="Cabin"/>
               </a:rPr>
-              <a:t>το πρόγραμμά σας να χειρίζεται μη-αριθμητικά δεδομένα εισόδου χαριτωμένα</a:t>
+              <a:t>το πρόγραμμά σας να χειρίζεται μη αριθμητικές τιμές εισόδου σωστά, εκτυπώνοντας ένα μήνυμα και τερματίζοντας την εκτέλεση</a:t>
             </a:r>
             <a:r>
               <a:rPr lang="en-US" sz="3800" u="none" strike="noStrike" cap="none" dirty="0">
@@ -34158,7 +34146,7 @@
               <a:t>: </a:t>
             </a:r>
             <a:r>
-              <a:rPr lang="en-US" sz="3800" u="none" strike="noStrike" cap="none" dirty="0">
+              <a:rPr lang="el-GR" sz="3800" u="none" strike="noStrike" cap="none" dirty="0">
                 <a:solidFill>
                   <a:srgbClr val="FFFF00"/>
                 </a:solidFill>
@@ -34167,7 +34155,7 @@
                 <a:cs typeface="Courier" charset="0"/>
                 <a:sym typeface="Cabin"/>
               </a:rPr>
-              <a:t>nine</a:t>
+              <a:t>εννιά</a:t>
             </a:r>
             <a:r>
               <a:rPr lang="en-US" sz="3800" u="none" strike="noStrike" cap="none" dirty="0">
@@ -34210,31 +34198,7 @@
                 <a:cs typeface="Courier" charset="0"/>
                 <a:sym typeface="Cabin"/>
               </a:rPr>
-              <a:t>Λάθος</a:t>
-            </a:r>
-            <a:r>
-              <a:rPr lang="en-US" sz="3800" u="none" strike="noStrike" cap="none" dirty="0">
-                <a:solidFill>
-                  <a:srgbClr val="E06666"/>
-                </a:solidFill>
-                <a:latin typeface="Courier" charset="0"/>
-                <a:ea typeface="Courier" charset="0"/>
-                <a:cs typeface="Courier" charset="0"/>
-                <a:sym typeface="Cabin"/>
-              </a:rPr>
-              <a:t>, </a:t>
-            </a:r>
-            <a:r>
-              <a:rPr lang="el-GR" sz="3800" u="none" strike="noStrike" cap="none" dirty="0">
-                <a:solidFill>
-                  <a:srgbClr val="E06666"/>
-                </a:solidFill>
-                <a:latin typeface="Courier" charset="0"/>
-                <a:ea typeface="Courier" charset="0"/>
-                <a:cs typeface="Courier" charset="0"/>
-                <a:sym typeface="Cabin"/>
-              </a:rPr>
-              <a:t>παρακαλώ εισάγεται αριθμό</a:t>
+              <a:t>Σφάλμα, παρακαλώ δώστε αριθμητική είσοδο</a:t>
             </a:r>
             <a:endParaRPr lang="en-US" sz="3800" u="none" strike="noStrike" cap="none" dirty="0">
               <a:solidFill>
@@ -34312,7 +34276,7 @@
               <a:t>: </a:t>
             </a:r>
             <a:r>
-              <a:rPr lang="en-US" sz="3800" u="none" strike="noStrike" cap="none" dirty="0">
+              <a:rPr lang="el-GR" sz="3800" u="none" strike="noStrike" cap="none" dirty="0">
                 <a:solidFill>
                   <a:srgbClr val="FFFF00"/>
                 </a:solidFill>
@@ -34321,7 +34285,7 @@
                 <a:cs typeface="Courier" charset="0"/>
                 <a:sym typeface="Cabin"/>
               </a:rPr>
-              <a:t>forty</a:t>
+              <a:t>σαράντα</a:t>
             </a:r>
             <a:r>
               <a:rPr lang="en-US" sz="3800" u="none" strike="noStrike" cap="none" dirty="0">
@@ -34353,31 +34317,7 @@
                 <a:cs typeface="Courier" charset="0"/>
                 <a:sym typeface="Cabin"/>
               </a:rPr>
-              <a:t>Λάθος</a:t>
-            </a:r>
-            <a:r>
-              <a:rPr lang="en-US" sz="3800" u="none" strike="noStrike" cap="none" dirty="0">
-                <a:solidFill>
-                  <a:srgbClr val="E06666"/>
-                </a:solidFill>
-                <a:latin typeface="Courier" charset="0"/>
-                <a:ea typeface="Courier" charset="0"/>
-                <a:cs typeface="Courier" charset="0"/>
-                <a:sym typeface="Cabin"/>
-              </a:rPr>
-              <a:t>, </a:t>
-            </a:r>
-            <a:r>
-              <a:rPr lang="el-GR" sz="3800" u="none" strike="noStrike" cap="none" dirty="0">
-                <a:solidFill>
-                  <a:srgbClr val="E06666"/>
-                </a:solidFill>
-                <a:latin typeface="Courier" charset="0"/>
-                <a:ea typeface="Courier" charset="0"/>
-                <a:cs typeface="Courier" charset="0"/>
-                <a:sym typeface="Cabin"/>
-              </a:rPr>
-              <a:t>παρακαλώ εισάγεται αριθμό</a:t>
+              <a:t>Σφάλμα, παρακαλώ δώστε αριθμητική είσοδο</a:t>
             </a:r>
             <a:endParaRPr lang="en-US" sz="3800" u="none" strike="noStrike" cap="none" dirty="0">
               <a:solidFill>
